--- a/labs/lab_01.pptx
+++ b/labs/lab_01.pptx
@@ -266,7 +266,7 @@
           <a:p>
             <a:fld id="{89BF6AE9-9C92-9141-BE86-C09ADF65E6CD}" type="datetimeFigureOut">
               <a:rPr lang="en-US" smtClean="0"/>
-              <a:t>8/22/20</a:t>
+              <a:t>8/31/22</a:t>
             </a:fld>
             <a:endParaRPr lang="en-US"/>
           </a:p>
@@ -472,7 +472,7 @@
           <a:p>
             <a:fld id="{89BF6AE9-9C92-9141-BE86-C09ADF65E6CD}" type="datetimeFigureOut">
               <a:rPr lang="en-US" smtClean="0"/>
-              <a:t>8/22/20</a:t>
+              <a:t>8/31/22</a:t>
             </a:fld>
             <a:endParaRPr lang="en-US"/>
           </a:p>
@@ -688,7 +688,7 @@
           <a:p>
             <a:fld id="{89BF6AE9-9C92-9141-BE86-C09ADF65E6CD}" type="datetimeFigureOut">
               <a:rPr lang="en-US" smtClean="0"/>
-              <a:t>8/22/20</a:t>
+              <a:t>8/31/22</a:t>
             </a:fld>
             <a:endParaRPr lang="en-US"/>
           </a:p>
@@ -894,7 +894,7 @@
           <a:p>
             <a:fld id="{89BF6AE9-9C92-9141-BE86-C09ADF65E6CD}" type="datetimeFigureOut">
               <a:rPr lang="en-US" smtClean="0"/>
-              <a:t>8/22/20</a:t>
+              <a:t>8/31/22</a:t>
             </a:fld>
             <a:endParaRPr lang="en-US"/>
           </a:p>
@@ -1177,7 +1177,7 @@
           <a:p>
             <a:fld id="{89BF6AE9-9C92-9141-BE86-C09ADF65E6CD}" type="datetimeFigureOut">
               <a:rPr lang="en-US" smtClean="0"/>
-              <a:t>8/22/20</a:t>
+              <a:t>8/31/22</a:t>
             </a:fld>
             <a:endParaRPr lang="en-US"/>
           </a:p>
@@ -1450,7 +1450,7 @@
           <a:p>
             <a:fld id="{89BF6AE9-9C92-9141-BE86-C09ADF65E6CD}" type="datetimeFigureOut">
               <a:rPr lang="en-US" smtClean="0"/>
-              <a:t>8/22/20</a:t>
+              <a:t>8/31/22</a:t>
             </a:fld>
             <a:endParaRPr lang="en-US"/>
           </a:p>
@@ -1870,7 +1870,7 @@
           <a:p>
             <a:fld id="{89BF6AE9-9C92-9141-BE86-C09ADF65E6CD}" type="datetimeFigureOut">
               <a:rPr lang="en-US" smtClean="0"/>
-              <a:t>8/22/20</a:t>
+              <a:t>8/31/22</a:t>
             </a:fld>
             <a:endParaRPr lang="en-US"/>
           </a:p>
@@ -2019,7 +2019,7 @@
           <a:p>
             <a:fld id="{89BF6AE9-9C92-9141-BE86-C09ADF65E6CD}" type="datetimeFigureOut">
               <a:rPr lang="en-US" smtClean="0"/>
-              <a:t>8/22/20</a:t>
+              <a:t>8/31/22</a:t>
             </a:fld>
             <a:endParaRPr lang="en-US"/>
           </a:p>
@@ -2140,7 +2140,7 @@
           <a:p>
             <a:fld id="{89BF6AE9-9C92-9141-BE86-C09ADF65E6CD}" type="datetimeFigureOut">
               <a:rPr lang="en-US" smtClean="0"/>
-              <a:t>8/22/20</a:t>
+              <a:t>8/31/22</a:t>
             </a:fld>
             <a:endParaRPr lang="en-US"/>
           </a:p>
@@ -2459,7 +2459,7 @@
           <a:p>
             <a:fld id="{89BF6AE9-9C92-9141-BE86-C09ADF65E6CD}" type="datetimeFigureOut">
               <a:rPr lang="en-US" smtClean="0"/>
-              <a:t>8/22/20</a:t>
+              <a:t>8/31/22</a:t>
             </a:fld>
             <a:endParaRPr lang="en-US"/>
           </a:p>
@@ -2755,7 +2755,7 @@
           <a:p>
             <a:fld id="{89BF6AE9-9C92-9141-BE86-C09ADF65E6CD}" type="datetimeFigureOut">
               <a:rPr lang="en-US" smtClean="0"/>
-              <a:t>8/22/20</a:t>
+              <a:t>8/31/22</a:t>
             </a:fld>
             <a:endParaRPr lang="en-US"/>
           </a:p>
@@ -3004,7 +3004,7 @@
           <a:p>
             <a:fld id="{89BF6AE9-9C92-9141-BE86-C09ADF65E6CD}" type="datetimeFigureOut">
               <a:rPr lang="en-US" smtClean="0"/>
-              <a:t>8/22/20</a:t>
+              <a:t>8/31/22</a:t>
             </a:fld>
             <a:endParaRPr lang="en-US"/>
           </a:p>
@@ -3448,7 +3448,7 @@
               <a:rPr lang="en-US" sz="2800" dirty="0">
                 <a:latin typeface="Garamond" panose="02020404030301010803" pitchFamily="18" charset="0"/>
               </a:rPr>
-              <a:t>INFO 656-01 Fall 2020</a:t>
+              <a:t>INFO 656-01 Fall 2022</a:t>
             </a:r>
             <a:br>
               <a:rPr lang="en-US" b="1" dirty="0">

--- a/labs/lab_01.pptx
+++ b/labs/lab_01.pptx
@@ -3620,31 +3620,6 @@
               <a:rPr lang="en-US" dirty="0">
                 <a:latin typeface="Garamond" panose="02020404030301010803" pitchFamily="18" charset="0"/>
               </a:rPr>
-              <a:t>Download a text editor: Sublime Text, Atom, </a:t>
-            </a:r>
-            <a:r>
-              <a:rPr lang="en-US" dirty="0" err="1">
-                <a:latin typeface="Garamond" panose="02020404030301010803" pitchFamily="18" charset="0"/>
-              </a:rPr>
-              <a:t>etc</a:t>
-            </a:r>
-            <a:endParaRPr lang="en-US" dirty="0">
-              <a:latin typeface="Garamond" panose="02020404030301010803" pitchFamily="18" charset="0"/>
-            </a:endParaRPr>
-          </a:p>
-          <a:p>
-            <a:r>
-              <a:rPr lang="en-US" dirty="0">
-                <a:latin typeface="Garamond" panose="02020404030301010803" pitchFamily="18" charset="0"/>
-              </a:rPr>
-              <a:t>Install Git</a:t>
-            </a:r>
-          </a:p>
-          <a:p>
-            <a:r>
-              <a:rPr lang="en-US" dirty="0">
-                <a:latin typeface="Garamond" panose="02020404030301010803" pitchFamily="18" charset="0"/>
-              </a:rPr>
               <a:t>Create a GitHub account (use your .</a:t>
             </a:r>
             <a:r>
@@ -3666,9 +3641,61 @@
               </a:rPr>
               <a:t>https://github.com</a:t>
             </a:r>
-            <a:endParaRPr lang="en-US" sz="2400" dirty="0">
+            <a:endParaRPr lang="en-US" dirty="0">
               <a:latin typeface="Garamond" panose="02020404030301010803" pitchFamily="18" charset="0"/>
             </a:endParaRPr>
+          </a:p>
+          <a:p>
+            <a:r>
+              <a:rPr lang="en-US" dirty="0">
+                <a:latin typeface="Garamond" panose="02020404030301010803" pitchFamily="18" charset="0"/>
+              </a:rPr>
+              <a:t>Install Git</a:t>
+            </a:r>
+          </a:p>
+          <a:p>
+            <a:endParaRPr lang="en-US" dirty="0">
+              <a:latin typeface="Garamond" panose="02020404030301010803" pitchFamily="18" charset="0"/>
+            </a:endParaRPr>
+          </a:p>
+          <a:p>
+            <a:pPr marL="0" indent="0">
+              <a:buNone/>
+            </a:pPr>
+            <a:r>
+              <a:rPr lang="en-US" dirty="0">
+                <a:latin typeface="Garamond" panose="02020404030301010803" pitchFamily="18" charset="0"/>
+              </a:rPr>
+              <a:t>Useful resources</a:t>
+            </a:r>
+          </a:p>
+          <a:p>
+            <a:r>
+              <a:rPr lang="en-US" dirty="0" err="1">
+                <a:latin typeface="Garamond" panose="02020404030301010803" pitchFamily="18" charset="0"/>
+              </a:rPr>
+              <a:t>Datacamp</a:t>
+            </a:r>
+            <a:r>
+              <a:rPr lang="en-US" dirty="0">
+                <a:latin typeface="Garamond" panose="02020404030301010803" pitchFamily="18" charset="0"/>
+              </a:rPr>
+              <a:t> for git</a:t>
+            </a:r>
+          </a:p>
+          <a:p>
+            <a:r>
+              <a:rPr lang="en-US" dirty="0" err="1">
+                <a:latin typeface="Garamond" panose="02020404030301010803" pitchFamily="18" charset="0"/>
+              </a:rPr>
+              <a:t>Datacamp</a:t>
+            </a:r>
+            <a:r>
+              <a:rPr lang="en-US" dirty="0">
+                <a:latin typeface="Garamond" panose="02020404030301010803" pitchFamily="18" charset="0"/>
+              </a:rPr>
+              <a:t> for python</a:t>
+            </a:r>
           </a:p>
           <a:p>
             <a:pPr marL="0" indent="0">
